--- a/dswyh3.pptx
+++ b/dswyh3.pptx
@@ -17,6 +17,7 @@
     <p:sldId id="267" r:id="rId11"/>
     <p:sldId id="265" r:id="rId12"/>
     <p:sldId id="264" r:id="rId13"/>
+    <p:sldId id="269" r:id="rId14"/>
   </p:sldIdLst>
   <p:sldSz cx="12192000" cy="6858000"/>
   <p:notesSz cx="6858000" cy="9144000"/>
@@ -311,7 +312,7 @@
           <a:p>
             <a:fld id="{56C16184-F831-4537-A30A-8B9FB4DD4C20}" type="datetimeFigureOut">
               <a:rPr lang="en-NL" smtClean="0"/>
-              <a:t>05/02/2022</a:t>
+              <a:t>06/02/2022</a:t>
             </a:fld>
             <a:endParaRPr lang="en-NL"/>
           </a:p>
@@ -649,7 +650,7 @@
           <a:p>
             <a:fld id="{56C16184-F831-4537-A30A-8B9FB4DD4C20}" type="datetimeFigureOut">
               <a:rPr lang="en-NL" smtClean="0"/>
-              <a:t>05/02/2022</a:t>
+              <a:t>06/02/2022</a:t>
             </a:fld>
             <a:endParaRPr lang="en-NL"/>
           </a:p>
@@ -1050,7 +1051,7 @@
           <a:p>
             <a:fld id="{56C16184-F831-4537-A30A-8B9FB4DD4C20}" type="datetimeFigureOut">
               <a:rPr lang="en-NL" smtClean="0"/>
-              <a:t>05/02/2022</a:t>
+              <a:t>06/02/2022</a:t>
             </a:fld>
             <a:endParaRPr lang="en-NL"/>
           </a:p>
@@ -1386,7 +1387,7 @@
           <a:p>
             <a:fld id="{56C16184-F831-4537-A30A-8B9FB4DD4C20}" type="datetimeFigureOut">
               <a:rPr lang="en-NL" smtClean="0"/>
-              <a:t>05/02/2022</a:t>
+              <a:t>06/02/2022</a:t>
             </a:fld>
             <a:endParaRPr lang="en-NL"/>
           </a:p>
@@ -1706,7 +1707,7 @@
           <a:p>
             <a:fld id="{56C16184-F831-4537-A30A-8B9FB4DD4C20}" type="datetimeFigureOut">
               <a:rPr lang="en-NL" smtClean="0"/>
-              <a:t>05/02/2022</a:t>
+              <a:t>06/02/2022</a:t>
             </a:fld>
             <a:endParaRPr lang="en-NL"/>
           </a:p>
@@ -2102,7 +2103,7 @@
           <a:p>
             <a:fld id="{56C16184-F831-4537-A30A-8B9FB4DD4C20}" type="datetimeFigureOut">
               <a:rPr lang="en-NL" smtClean="0"/>
-              <a:t>05/02/2022</a:t>
+              <a:t>06/02/2022</a:t>
             </a:fld>
             <a:endParaRPr lang="en-NL"/>
           </a:p>
@@ -2359,7 +2360,7 @@
           <a:p>
             <a:fld id="{56C16184-F831-4537-A30A-8B9FB4DD4C20}" type="datetimeFigureOut">
               <a:rPr lang="en-NL" smtClean="0"/>
-              <a:t>05/02/2022</a:t>
+              <a:t>06/02/2022</a:t>
             </a:fld>
             <a:endParaRPr lang="en-NL"/>
           </a:p>
@@ -2621,7 +2622,7 @@
           <a:p>
             <a:fld id="{56C16184-F831-4537-A30A-8B9FB4DD4C20}" type="datetimeFigureOut">
               <a:rPr lang="en-NL" smtClean="0"/>
-              <a:t>05/02/2022</a:t>
+              <a:t>06/02/2022</a:t>
             </a:fld>
             <a:endParaRPr lang="en-NL"/>
           </a:p>
@@ -2883,7 +2884,7 @@
           <a:p>
             <a:fld id="{56C16184-F831-4537-A30A-8B9FB4DD4C20}" type="datetimeFigureOut">
               <a:rPr lang="en-NL" smtClean="0"/>
-              <a:t>05/02/2022</a:t>
+              <a:t>06/02/2022</a:t>
             </a:fld>
             <a:endParaRPr lang="en-NL"/>
           </a:p>
@@ -3212,7 +3213,7 @@
           <a:p>
             <a:fld id="{56C16184-F831-4537-A30A-8B9FB4DD4C20}" type="datetimeFigureOut">
               <a:rPr lang="en-NL" smtClean="0"/>
-              <a:t>05/02/2022</a:t>
+              <a:t>06/02/2022</a:t>
             </a:fld>
             <a:endParaRPr lang="en-NL"/>
           </a:p>
@@ -3535,7 +3536,7 @@
           <a:p>
             <a:fld id="{56C16184-F831-4537-A30A-8B9FB4DD4C20}" type="datetimeFigureOut">
               <a:rPr lang="en-NL" smtClean="0"/>
-              <a:t>05/02/2022</a:t>
+              <a:t>06/02/2022</a:t>
             </a:fld>
             <a:endParaRPr lang="en-NL"/>
           </a:p>
@@ -3992,7 +3993,7 @@
           <a:p>
             <a:fld id="{56C16184-F831-4537-A30A-8B9FB4DD4C20}" type="datetimeFigureOut">
               <a:rPr lang="en-NL" smtClean="0"/>
-              <a:t>05/02/2022</a:t>
+              <a:t>06/02/2022</a:t>
             </a:fld>
             <a:endParaRPr lang="en-NL"/>
           </a:p>
@@ -4197,7 +4198,7 @@
           <a:p>
             <a:fld id="{56C16184-F831-4537-A30A-8B9FB4DD4C20}" type="datetimeFigureOut">
               <a:rPr lang="en-NL" smtClean="0"/>
-              <a:t>05/02/2022</a:t>
+              <a:t>06/02/2022</a:t>
             </a:fld>
             <a:endParaRPr lang="en-NL"/>
           </a:p>
@@ -4374,7 +4375,7 @@
           <a:p>
             <a:fld id="{56C16184-F831-4537-A30A-8B9FB4DD4C20}" type="datetimeFigureOut">
               <a:rPr lang="en-NL" smtClean="0"/>
-              <a:t>05/02/2022</a:t>
+              <a:t>06/02/2022</a:t>
             </a:fld>
             <a:endParaRPr lang="en-NL"/>
           </a:p>
@@ -4707,7 +4708,7 @@
           <a:p>
             <a:fld id="{56C16184-F831-4537-A30A-8B9FB4DD4C20}" type="datetimeFigureOut">
               <a:rPr lang="en-NL" smtClean="0"/>
-              <a:t>05/02/2022</a:t>
+              <a:t>06/02/2022</a:t>
             </a:fld>
             <a:endParaRPr lang="en-NL"/>
           </a:p>
@@ -5052,7 +5053,7 @@
           <a:p>
             <a:fld id="{56C16184-F831-4537-A30A-8B9FB4DD4C20}" type="datetimeFigureOut">
               <a:rPr lang="en-NL" smtClean="0"/>
-              <a:t>05/02/2022</a:t>
+              <a:t>06/02/2022</a:t>
             </a:fld>
             <a:endParaRPr lang="en-NL"/>
           </a:p>
@@ -5389,7 +5390,7 @@
           <a:p>
             <a:fld id="{56C16184-F831-4537-A30A-8B9FB4DD4C20}" type="datetimeFigureOut">
               <a:rPr lang="en-NL" smtClean="0"/>
-              <a:t>05/02/2022</a:t>
+              <a:t>06/02/2022</a:t>
             </a:fld>
             <a:endParaRPr lang="en-NL"/>
           </a:p>
@@ -6302,6 +6303,36 @@
 </p:sld>
 </file>
 
+<file path=ppt/slides/slide13.xml><?xml version="1.0" encoding="utf-8"?>
+<p:sld xmlns:a="http://schemas.openxmlformats.org/drawingml/2006/main" xmlns:r="http://schemas.openxmlformats.org/officeDocument/2006/relationships" xmlns:p="http://schemas.openxmlformats.org/presentationml/2006/main">
+  <p:cSld>
+    <p:spTree>
+      <p:nvGrpSpPr>
+        <p:cNvPr id="1" name=""/>
+        <p:cNvGrpSpPr/>
+        <p:nvPr/>
+      </p:nvGrpSpPr>
+      <p:grpSpPr>
+        <a:xfrm>
+          <a:off x="0" y="0"/>
+          <a:ext cx="0" cy="0"/>
+          <a:chOff x="0" y="0"/>
+          <a:chExt cx="0" cy="0"/>
+        </a:xfrm>
+      </p:grpSpPr>
+    </p:spTree>
+    <p:extLst>
+      <p:ext uri="{BB962C8B-B14F-4D97-AF65-F5344CB8AC3E}">
+        <p14:creationId xmlns:p14="http://schemas.microsoft.com/office/powerpoint/2010/main" val="1319196393"/>
+      </p:ext>
+    </p:extLst>
+  </p:cSld>
+  <p:clrMapOvr>
+    <a:masterClrMapping/>
+  </p:clrMapOvr>
+</p:sld>
+</file>
+
 <file path=ppt/slides/slide2.xml><?xml version="1.0" encoding="utf-8"?>
 <p:sld xmlns:a="http://schemas.openxmlformats.org/drawingml/2006/main" xmlns:r="http://schemas.openxmlformats.org/officeDocument/2006/relationships" xmlns:p="http://schemas.openxmlformats.org/presentationml/2006/main">
   <p:cSld>
